--- a/slides/Python_Workshop_4.pptx
+++ b/slides/Python_Workshop_4.pptx
@@ -123,6 +123,11 @@
       </a:defRPr>
     </a:lvl9pPr>
   </p:defaultTextStyle>
+  <p:extLst>
+    <p:ext uri="{EFAFB233-063F-42B5-8137-9DF3F51BA10A}">
+      <p15:sldGuideLst xmlns:p15="http://schemas.microsoft.com/office/powerpoint/2012/main"/>
+    </p:ext>
+  </p:extLst>
 </p:presentation>
 </file>
 
@@ -3649,9 +3654,21 @@
           <a:p>
             <a:r>
               <a:rPr lang="en-US" altLang="zh-TW" dirty="0"/>
-              <a:t>input(): str</a:t>
-            </a:r>
-            <a:endParaRPr lang="zh-TW" altLang="en-US" dirty="0"/>
+              <a:t>input(): str  </a:t>
+            </a:r>
+            <a:r>
+              <a:rPr lang="en-US" altLang="zh-TW" b="1" dirty="0">
+                <a:solidFill>
+                  <a:srgbClr val="FF0000"/>
+                </a:solidFill>
+              </a:rPr>
+              <a:t>“1.8”</a:t>
+            </a:r>
+            <a:endParaRPr lang="zh-TW" altLang="en-US" b="1" dirty="0">
+              <a:solidFill>
+                <a:srgbClr val="FF0000"/>
+              </a:solidFill>
+            </a:endParaRPr>
           </a:p>
         </p:txBody>
       </p:sp>
@@ -4700,8 +4717,8 @@
         </p:nvSpPr>
         <p:spPr bwMode="auto">
           <a:xfrm>
-            <a:off x="838200" y="1536800"/>
-            <a:ext cx="9417963" cy="2246769"/>
+            <a:off x="750651" y="1690688"/>
+            <a:ext cx="11264622" cy="2677656"/>
           </a:xfrm>
           <a:prstGeom prst="rect">
             <a:avLst/>
@@ -4766,7 +4783,7 @@
               <a:tabLst/>
             </a:pPr>
             <a:r>
-              <a:rPr kumimoji="0" lang="zh-TW" altLang="zh-TW" sz="2000" i="0" u="none" strike="noStrike" cap="none" normalizeH="0" baseline="0" dirty="0">
+              <a:rPr kumimoji="0" lang="zh-TW" altLang="zh-TW" sz="2400" i="0" u="none" strike="noStrike" cap="none" normalizeH="0" baseline="0" dirty="0">
                 <a:ln>
                   <a:noFill/>
                 </a:ln>
@@ -4798,7 +4815,7 @@
               <a:tabLst/>
             </a:pPr>
             <a:r>
-              <a:rPr kumimoji="0" lang="zh-TW" altLang="zh-TW" sz="2000" i="0" u="none" strike="noStrike" cap="none" normalizeH="0" baseline="0" dirty="0">
+              <a:rPr kumimoji="0" lang="zh-TW" altLang="zh-TW" sz="2400" i="0" u="none" strike="noStrike" cap="none" normalizeH="0" baseline="0" dirty="0">
                 <a:ln>
                   <a:noFill/>
                 </a:ln>
@@ -4812,7 +4829,7 @@
               <a:t>長度 至少 8 個字元。</a:t>
             </a:r>
             <a:br>
-              <a:rPr kumimoji="0" lang="en-US" altLang="zh-TW" sz="2000" i="0" u="none" strike="noStrike" cap="none" normalizeH="0" baseline="0" dirty="0">
+              <a:rPr kumimoji="0" lang="en-US" altLang="zh-TW" sz="2400" i="0" u="none" strike="noStrike" cap="none" normalizeH="0" baseline="0" dirty="0">
                 <a:ln>
                   <a:noFill/>
                 </a:ln>
@@ -4825,7 +4842,7 @@
               </a:rPr>
             </a:br>
             <a:r>
-              <a:rPr kumimoji="0" lang="en-US" altLang="zh-TW" sz="2000" i="0" u="none" strike="noStrike" cap="none" normalizeH="0" baseline="0" dirty="0">
+              <a:rPr kumimoji="0" lang="en-US" altLang="zh-TW" sz="2400" i="0" u="none" strike="noStrike" cap="none" normalizeH="0" baseline="0" dirty="0">
                 <a:ln>
                   <a:noFill/>
                 </a:ln>
@@ -4839,7 +4856,7 @@
               <a:t>2.</a:t>
             </a:r>
             <a:r>
-              <a:rPr kumimoji="0" lang="zh-TW" altLang="zh-TW" sz="2000" i="0" u="none" strike="noStrike" cap="none" normalizeH="0" baseline="0" dirty="0">
+              <a:rPr kumimoji="0" lang="zh-TW" altLang="zh-TW" sz="2400" i="0" u="none" strike="noStrike" cap="none" normalizeH="0" baseline="0" dirty="0">
                 <a:ln>
                   <a:noFill/>
                 </a:ln>
@@ -4853,14 +4870,14 @@
               <a:t>長度 至</a:t>
             </a:r>
             <a:r>
-              <a:rPr lang="zh-TW" altLang="en-US" sz="2000" dirty="0">
+              <a:rPr lang="zh-TW" altLang="en-US" sz="2400" dirty="0">
                 <a:latin typeface="標楷體" panose="03000509000000000000" pitchFamily="65" charset="-120"/>
                 <a:ea typeface="標楷體" panose="03000509000000000000" pitchFamily="65" charset="-120"/>
               </a:rPr>
               <a:t>多</a:t>
             </a:r>
             <a:r>
-              <a:rPr kumimoji="0" lang="zh-TW" altLang="zh-TW" sz="2000" i="0" u="none" strike="noStrike" cap="none" normalizeH="0" baseline="0" dirty="0">
+              <a:rPr kumimoji="0" lang="zh-TW" altLang="zh-TW" sz="2400" i="0" u="none" strike="noStrike" cap="none" normalizeH="0" baseline="0" dirty="0">
                 <a:ln>
                   <a:noFill/>
                 </a:ln>
@@ -4874,7 +4891,7 @@
               <a:t> </a:t>
             </a:r>
             <a:r>
-              <a:rPr kumimoji="0" lang="en-US" altLang="zh-TW" sz="2000" i="0" u="none" strike="noStrike" cap="none" normalizeH="0" baseline="0" dirty="0">
+              <a:rPr kumimoji="0" lang="en-US" altLang="zh-TW" sz="2400" i="0" u="none" strike="noStrike" cap="none" normalizeH="0" baseline="0" dirty="0">
                 <a:ln>
                   <a:noFill/>
                 </a:ln>
@@ -4888,7 +4905,7 @@
               <a:t>20</a:t>
             </a:r>
             <a:r>
-              <a:rPr kumimoji="0" lang="zh-TW" altLang="zh-TW" sz="2000" i="0" u="none" strike="noStrike" cap="none" normalizeH="0" baseline="0" dirty="0">
+              <a:rPr kumimoji="0" lang="zh-TW" altLang="zh-TW" sz="2400" i="0" u="none" strike="noStrike" cap="none" normalizeH="0" baseline="0" dirty="0">
                 <a:ln>
                   <a:noFill/>
                 </a:ln>
@@ -4920,7 +4937,7 @@
               <a:tabLst/>
             </a:pPr>
             <a:r>
-              <a:rPr kumimoji="0" lang="zh-TW" altLang="zh-TW" sz="2000" i="0" u="none" strike="noStrike" cap="none" normalizeH="0" baseline="0" dirty="0">
+              <a:rPr kumimoji="0" lang="zh-TW" altLang="zh-TW" sz="2400" i="0" u="none" strike="noStrike" cap="none" normalizeH="0" baseline="0" dirty="0">
                 <a:ln>
                   <a:noFill/>
                 </a:ln>
@@ -4933,7 +4950,7 @@
               </a:rPr>
               <a:t>至少包含一個數字（0-9）。 </a:t>
             </a:r>
-            <a:endParaRPr lang="en-US" altLang="zh-TW" sz="2000" dirty="0">
+            <a:endParaRPr lang="en-US" altLang="zh-TW" sz="2400" dirty="0">
               <a:latin typeface="標楷體" panose="03000509000000000000" pitchFamily="65" charset="-120"/>
               <a:ea typeface="標楷體" panose="03000509000000000000" pitchFamily="65" charset="-120"/>
             </a:endParaRPr>
@@ -4956,7 +4973,7 @@
               <a:tabLst/>
             </a:pPr>
             <a:r>
-              <a:rPr kumimoji="0" lang="zh-TW" altLang="en-US" sz="2000" i="0" u="none" strike="noStrike" cap="none" normalizeH="0" baseline="0" dirty="0">
+              <a:rPr kumimoji="0" lang="zh-TW" altLang="en-US" sz="2400" i="0" u="none" strike="noStrike" cap="none" normalizeH="0" baseline="0" dirty="0">
                 <a:ln>
                   <a:noFill/>
                 </a:ln>
@@ -4969,14 +4986,7 @@
               </a:rPr>
               <a:t>密碼第一個字元須為英文字母。</a:t>
             </a:r>
-            <a:endParaRPr kumimoji="0" lang="zh-TW" altLang="zh-TW" sz="2000" i="0" u="none" strike="noStrike" cap="none" normalizeH="0" baseline="0" dirty="0">
-              <a:ln>
-                <a:noFill/>
-              </a:ln>
-              <a:solidFill>
-                <a:schemeClr val="tx1"/>
-              </a:solidFill>
-              <a:effectLst/>
+            <a:endParaRPr lang="en-US" altLang="zh-TW" sz="2400" dirty="0">
               <a:latin typeface="標楷體" panose="03000509000000000000" pitchFamily="65" charset="-120"/>
               <a:ea typeface="標楷體" panose="03000509000000000000" pitchFamily="65" charset="-120"/>
             </a:endParaRPr>
@@ -4995,11 +5005,11 @@
               <a:buClrTx/>
               <a:buSzTx/>
               <a:buFontTx/>
-              <a:buAutoNum type="arabicPeriod" startAt="4"/>
+              <a:buAutoNum type="arabicPeriod" startAt="3"/>
               <a:tabLst/>
             </a:pPr>
             <a:r>
-              <a:rPr kumimoji="0" lang="zh-TW" altLang="zh-TW" sz="2000" i="0" u="none" strike="noStrike" cap="none" normalizeH="0" baseline="0" dirty="0">
+              <a:rPr kumimoji="0" lang="zh-TW" altLang="zh-TW" sz="2400" i="0" u="none" strike="noStrike" cap="none" normalizeH="0" baseline="0" dirty="0">
                 <a:ln>
                   <a:noFill/>
                 </a:ln>
@@ -5012,6 +5022,17 @@
               </a:rPr>
               <a:t>密碼不能以 !、@、#、$ 這些符號結尾。 </a:t>
             </a:r>
+            <a:endParaRPr kumimoji="0" lang="en-US" altLang="zh-TW" sz="2400" i="0" u="none" strike="noStrike" cap="none" normalizeH="0" baseline="0" dirty="0">
+              <a:ln>
+                <a:noFill/>
+              </a:ln>
+              <a:solidFill>
+                <a:schemeClr val="tx1"/>
+              </a:solidFill>
+              <a:effectLst/>
+              <a:latin typeface="標楷體" panose="03000509000000000000" pitchFamily="65" charset="-120"/>
+              <a:ea typeface="標楷體" panose="03000509000000000000" pitchFamily="65" charset="-120"/>
+            </a:endParaRPr>
           </a:p>
           <a:p>
             <a:pPr marL="0" marR="0" lvl="0" indent="0" algn="l" defTabSz="914400" rtl="0" eaLnBrk="0" fontAlgn="base" latinLnBrk="0" hangingPunct="0">
@@ -5027,11 +5048,11 @@
               <a:buClrTx/>
               <a:buSzTx/>
               <a:buFontTx/>
-              <a:buAutoNum type="arabicPeriod" startAt="5"/>
+              <a:buAutoNum type="arabicPeriod" startAt="3"/>
               <a:tabLst/>
             </a:pPr>
             <a:r>
-              <a:rPr kumimoji="0" lang="zh-TW" altLang="zh-TW" sz="2000" i="0" u="none" strike="noStrike" cap="none" normalizeH="0" baseline="0" dirty="0">
+              <a:rPr kumimoji="0" lang="zh-TW" altLang="zh-TW" sz="2400" i="0" u="none" strike="noStrike" cap="none" normalizeH="0" baseline="0" dirty="0">
                 <a:ln>
                   <a:noFill/>
                 </a:ln>
@@ -5972,11 +5993,19 @@
               <a:rPr lang="en-US" altLang="zh-TW" sz="3200" dirty="0"/>
               <a:t>Input : datatype?</a:t>
             </a:r>
-          </a:p>
-          <a:p>
+            <a:r>
+              <a:rPr lang="zh-TW" altLang="en-US" sz="3200" dirty="0"/>
+              <a:t> </a:t>
+            </a:r>
             <a:r>
               <a:rPr lang="en-US" altLang="zh-TW" sz="3200" dirty="0"/>
-              <a:t>Output: datatype?</a:t>
+              <a:t>float</a:t>
+            </a:r>
+          </a:p>
+          <a:p>
+            <a:r>
+              <a:rPr lang="en-US" altLang="zh-TW" sz="3200" dirty="0"/>
+              <a:t>Output: datatype? float</a:t>
             </a:r>
             <a:endParaRPr lang="zh-TW" altLang="en-US" dirty="0"/>
           </a:p>
